--- a/Documentation/SyrezLib.pptx
+++ b/Documentation/SyrezLib.pptx
@@ -11,10 +11,13 @@
     <p:sldId id="280" r:id="rId5"/>
     <p:sldId id="277" r:id="rId6"/>
     <p:sldId id="273" r:id="rId7"/>
-    <p:sldId id="274" r:id="rId8"/>
-    <p:sldId id="275" r:id="rId9"/>
-    <p:sldId id="278" r:id="rId10"/>
-    <p:sldId id="272" r:id="rId11"/>
+    <p:sldId id="281" r:id="rId8"/>
+    <p:sldId id="282" r:id="rId9"/>
+    <p:sldId id="283" r:id="rId10"/>
+    <p:sldId id="286" r:id="rId11"/>
+    <p:sldId id="284" r:id="rId12"/>
+    <p:sldId id="285" r:id="rId13"/>
+    <p:sldId id="272" r:id="rId14"/>
   </p:sldIdLst>
   <p:sldSz cx="17335500" cy="9753600"/>
   <p:notesSz cx="17335500" cy="9753600"/>
@@ -271,7 +274,7 @@
           <a:p>
             <a:fld id="{1D8BD707-D9CF-40AE-B4C6-C98DA3205C09}" type="datetimeFigureOut">
               <a:rPr lang="en-US"/>
-              <a:t>11/4/2021</a:t>
+              <a:t>11/5/2021</a:t>
             </a:fld>
             <a:endParaRPr lang="en-US"/>
           </a:p>
@@ -457,7 +460,7 @@
           <a:p>
             <a:fld id="{1D8BD707-D9CF-40AE-B4C6-C98DA3205C09}" type="datetimeFigureOut">
               <a:rPr lang="en-US"/>
-              <a:t>11/4/2021</a:t>
+              <a:t>11/5/2021</a:t>
             </a:fld>
             <a:endParaRPr lang="en-US"/>
           </a:p>
@@ -680,7 +683,7 @@
           <a:p>
             <a:fld id="{1D8BD707-D9CF-40AE-B4C6-C98DA3205C09}" type="datetimeFigureOut">
               <a:rPr lang="en-US"/>
-              <a:t>11/4/2021</a:t>
+              <a:t>11/5/2021</a:t>
             </a:fld>
             <a:endParaRPr lang="en-US"/>
           </a:p>
@@ -1562,7 +1565,7 @@
           <a:p>
             <a:fld id="{1D8BD707-D9CF-40AE-B4C6-C98DA3205C09}" type="datetimeFigureOut">
               <a:rPr lang="en-US"/>
-              <a:t>11/4/2021</a:t>
+              <a:t>11/5/2021</a:t>
             </a:fld>
             <a:endParaRPr lang="en-US"/>
           </a:p>
@@ -1690,7 +1693,7 @@
           <a:p>
             <a:fld id="{1D8BD707-D9CF-40AE-B4C6-C98DA3205C09}" type="datetimeFigureOut">
               <a:rPr lang="en-US"/>
-              <a:t>11/4/2021</a:t>
+              <a:t>11/5/2021</a:t>
             </a:fld>
             <a:endParaRPr lang="en-US"/>
           </a:p>
@@ -1924,7 +1927,7 @@
           <a:p>
             <a:fld id="{1D8BD707-D9CF-40AE-B4C6-C98DA3205C09}" type="datetimeFigureOut">
               <a:rPr lang="en-US"/>
-              <a:t>11/4/2021</a:t>
+              <a:t>11/5/2021</a:t>
             </a:fld>
             <a:endParaRPr lang="en-US"/>
           </a:p>
@@ -2236,6 +2239,326 @@
 </file>
 
 <file path=ppt/slides/slide10.xml><?xml version="1.0" encoding="utf-8"?>
+<p:sld xmlns:a="http://schemas.openxmlformats.org/drawingml/2006/main" xmlns:r="http://schemas.openxmlformats.org/officeDocument/2006/relationships" xmlns:p="http://schemas.openxmlformats.org/presentationml/2006/main">
+  <p:cSld>
+    <p:spTree>
+      <p:nvGrpSpPr>
+        <p:cNvPr id="1" name=""/>
+        <p:cNvGrpSpPr/>
+        <p:nvPr/>
+      </p:nvGrpSpPr>
+      <p:grpSpPr>
+        <a:xfrm>
+          <a:off x="0" y="0"/>
+          <a:ext cx="0" cy="0"/>
+          <a:chOff x="0" y="0"/>
+          <a:chExt cx="0" cy="0"/>
+        </a:xfrm>
+      </p:grpSpPr>
+      <p:pic>
+        <p:nvPicPr>
+          <p:cNvPr id="2" name="Рисунок 1">
+            <a:extLst>
+              <a:ext uri="{FF2B5EF4-FFF2-40B4-BE49-F238E27FC236}">
+                <a16:creationId xmlns:a16="http://schemas.microsoft.com/office/drawing/2014/main" id="{BBA0FC39-BCF4-4B90-8F0D-1CA2FAFE303E}"/>
+              </a:ext>
+            </a:extLst>
+          </p:cNvPr>
+          <p:cNvPicPr>
+            <a:picLocks noChangeAspect="1"/>
+          </p:cNvPicPr>
+          <p:nvPr/>
+        </p:nvPicPr>
+        <p:blipFill>
+          <a:blip r:embed="rId2"/>
+          <a:stretch>
+            <a:fillRect/>
+          </a:stretch>
+        </p:blipFill>
+        <p:spPr>
+          <a:xfrm>
+            <a:off x="3611059" y="1447800"/>
+            <a:ext cx="10113381" cy="6858000"/>
+          </a:xfrm>
+          <a:prstGeom prst="rect">
+            <a:avLst/>
+          </a:prstGeom>
+        </p:spPr>
+      </p:pic>
+    </p:spTree>
+    <p:extLst>
+      <p:ext uri="{BB962C8B-B14F-4D97-AF65-F5344CB8AC3E}">
+        <p14:creationId xmlns:p14="http://schemas.microsoft.com/office/powerpoint/2010/main" val="3438366794"/>
+      </p:ext>
+    </p:extLst>
+  </p:cSld>
+  <p:clrMapOvr>
+    <a:masterClrMapping/>
+  </p:clrMapOvr>
+</p:sld>
+</file>
+
+<file path=ppt/slides/slide11.xml><?xml version="1.0" encoding="utf-8"?>
+<p:sld xmlns:a="http://schemas.openxmlformats.org/drawingml/2006/main" xmlns:r="http://schemas.openxmlformats.org/officeDocument/2006/relationships" xmlns:p="http://schemas.openxmlformats.org/presentationml/2006/main">
+  <p:cSld>
+    <p:spTree>
+      <p:nvGrpSpPr>
+        <p:cNvPr id="1" name=""/>
+        <p:cNvGrpSpPr/>
+        <p:nvPr/>
+      </p:nvGrpSpPr>
+      <p:grpSpPr>
+        <a:xfrm>
+          <a:off x="0" y="0"/>
+          <a:ext cx="0" cy="0"/>
+          <a:chOff x="0" y="0"/>
+          <a:chExt cx="0" cy="0"/>
+        </a:xfrm>
+      </p:grpSpPr>
+      <p:sp>
+        <p:nvSpPr>
+          <p:cNvPr id="2" name="Заголовок 1">
+            <a:extLst>
+              <a:ext uri="{FF2B5EF4-FFF2-40B4-BE49-F238E27FC236}">
+                <a16:creationId xmlns:a16="http://schemas.microsoft.com/office/drawing/2014/main" id="{D4E255AA-4F86-405F-BA62-53D64CDE682B}"/>
+              </a:ext>
+            </a:extLst>
+          </p:cNvPr>
+          <p:cNvSpPr>
+            <a:spLocks noGrp="1"/>
+          </p:cNvSpPr>
+          <p:nvPr>
+            <p:ph type="title"/>
+          </p:nvPr>
+        </p:nvSpPr>
+        <p:spPr/>
+        <p:txBody>
+          <a:bodyPr/>
+          <a:lstStyle/>
+          <a:p>
+            <a:endParaRPr lang="ru-RU" dirty="0"/>
+          </a:p>
+        </p:txBody>
+      </p:sp>
+      <p:pic>
+        <p:nvPicPr>
+          <p:cNvPr id="6" name="Рисунок 5">
+            <a:extLst>
+              <a:ext uri="{FF2B5EF4-FFF2-40B4-BE49-F238E27FC236}">
+                <a16:creationId xmlns:a16="http://schemas.microsoft.com/office/drawing/2014/main" id="{AE878B35-907A-4186-826B-637B98FB751F}"/>
+              </a:ext>
+            </a:extLst>
+          </p:cNvPr>
+          <p:cNvPicPr>
+            <a:picLocks noChangeAspect="1"/>
+          </p:cNvPicPr>
+          <p:nvPr/>
+        </p:nvPicPr>
+        <p:blipFill>
+          <a:blip r:embed="rId2"/>
+          <a:stretch>
+            <a:fillRect/>
+          </a:stretch>
+        </p:blipFill>
+        <p:spPr>
+          <a:xfrm>
+            <a:off x="666750" y="304800"/>
+            <a:ext cx="9214413" cy="6248400"/>
+          </a:xfrm>
+          <a:prstGeom prst="rect">
+            <a:avLst/>
+          </a:prstGeom>
+        </p:spPr>
+      </p:pic>
+      <p:pic>
+        <p:nvPicPr>
+          <p:cNvPr id="8" name="Рисунок 7">
+            <a:extLst>
+              <a:ext uri="{FF2B5EF4-FFF2-40B4-BE49-F238E27FC236}">
+                <a16:creationId xmlns:a16="http://schemas.microsoft.com/office/drawing/2014/main" id="{9889A597-B854-4F2A-9560-3FC47BFBCE05}"/>
+              </a:ext>
+            </a:extLst>
+          </p:cNvPr>
+          <p:cNvPicPr>
+            <a:picLocks noChangeAspect="1"/>
+          </p:cNvPicPr>
+          <p:nvPr/>
+        </p:nvPicPr>
+        <p:blipFill>
+          <a:blip r:embed="rId3"/>
+          <a:stretch>
+            <a:fillRect/>
+          </a:stretch>
+        </p:blipFill>
+        <p:spPr>
+          <a:xfrm>
+            <a:off x="10115550" y="381000"/>
+            <a:ext cx="6693545" cy="3505200"/>
+          </a:xfrm>
+          <a:prstGeom prst="rect">
+            <a:avLst/>
+          </a:prstGeom>
+        </p:spPr>
+      </p:pic>
+      <p:pic>
+        <p:nvPicPr>
+          <p:cNvPr id="10" name="Рисунок 9">
+            <a:extLst>
+              <a:ext uri="{FF2B5EF4-FFF2-40B4-BE49-F238E27FC236}">
+                <a16:creationId xmlns:a16="http://schemas.microsoft.com/office/drawing/2014/main" id="{77D6A81D-CA5A-4F7C-9FDA-6C9BE2A5BF57}"/>
+              </a:ext>
+            </a:extLst>
+          </p:cNvPr>
+          <p:cNvPicPr>
+            <a:picLocks noChangeAspect="1"/>
+          </p:cNvPicPr>
+          <p:nvPr/>
+        </p:nvPicPr>
+        <p:blipFill>
+          <a:blip r:embed="rId4"/>
+          <a:stretch>
+            <a:fillRect/>
+          </a:stretch>
+        </p:blipFill>
+        <p:spPr>
+          <a:xfrm>
+            <a:off x="8820150" y="3934416"/>
+            <a:ext cx="8131972" cy="5514384"/>
+          </a:xfrm>
+          <a:prstGeom prst="rect">
+            <a:avLst/>
+          </a:prstGeom>
+        </p:spPr>
+      </p:pic>
+    </p:spTree>
+    <p:extLst>
+      <p:ext uri="{BB962C8B-B14F-4D97-AF65-F5344CB8AC3E}">
+        <p14:creationId xmlns:p14="http://schemas.microsoft.com/office/powerpoint/2010/main" val="3858812813"/>
+      </p:ext>
+    </p:extLst>
+  </p:cSld>
+  <p:clrMapOvr>
+    <a:masterClrMapping/>
+  </p:clrMapOvr>
+</p:sld>
+</file>
+
+<file path=ppt/slides/slide12.xml><?xml version="1.0" encoding="utf-8"?>
+<p:sld xmlns:a="http://schemas.openxmlformats.org/drawingml/2006/main" xmlns:r="http://schemas.openxmlformats.org/officeDocument/2006/relationships" xmlns:p="http://schemas.openxmlformats.org/presentationml/2006/main">
+  <p:cSld>
+    <p:spTree>
+      <p:nvGrpSpPr>
+        <p:cNvPr id="1" name=""/>
+        <p:cNvGrpSpPr/>
+        <p:nvPr/>
+      </p:nvGrpSpPr>
+      <p:grpSpPr>
+        <a:xfrm>
+          <a:off x="0" y="0"/>
+          <a:ext cx="0" cy="0"/>
+          <a:chOff x="0" y="0"/>
+          <a:chExt cx="0" cy="0"/>
+        </a:xfrm>
+      </p:grpSpPr>
+      <p:sp>
+        <p:nvSpPr>
+          <p:cNvPr id="2" name="Заголовок 1">
+            <a:extLst>
+              <a:ext uri="{FF2B5EF4-FFF2-40B4-BE49-F238E27FC236}">
+                <a16:creationId xmlns:a16="http://schemas.microsoft.com/office/drawing/2014/main" id="{FD14F53B-2ADB-4C03-8CEA-C34524A4B1EA}"/>
+              </a:ext>
+            </a:extLst>
+          </p:cNvPr>
+          <p:cNvSpPr>
+            <a:spLocks noGrp="1"/>
+          </p:cNvSpPr>
+          <p:nvPr>
+            <p:ph type="title"/>
+          </p:nvPr>
+        </p:nvSpPr>
+        <p:spPr/>
+        <p:txBody>
+          <a:bodyPr/>
+          <a:lstStyle/>
+          <a:p>
+            <a:endParaRPr lang="ru-RU"/>
+          </a:p>
+        </p:txBody>
+      </p:sp>
+      <p:pic>
+        <p:nvPicPr>
+          <p:cNvPr id="6" name="Рисунок 5">
+            <a:extLst>
+              <a:ext uri="{FF2B5EF4-FFF2-40B4-BE49-F238E27FC236}">
+                <a16:creationId xmlns:a16="http://schemas.microsoft.com/office/drawing/2014/main" id="{49F54EAC-3961-4A24-8034-8DD624B3A611}"/>
+              </a:ext>
+            </a:extLst>
+          </p:cNvPr>
+          <p:cNvPicPr>
+            <a:picLocks noChangeAspect="1"/>
+          </p:cNvPicPr>
+          <p:nvPr/>
+        </p:nvPicPr>
+        <p:blipFill>
+          <a:blip r:embed="rId2"/>
+          <a:stretch>
+            <a:fillRect/>
+          </a:stretch>
+        </p:blipFill>
+        <p:spPr>
+          <a:xfrm>
+            <a:off x="209550" y="472314"/>
+            <a:ext cx="9753980" cy="6614286"/>
+          </a:xfrm>
+          <a:prstGeom prst="rect">
+            <a:avLst/>
+          </a:prstGeom>
+        </p:spPr>
+      </p:pic>
+      <p:pic>
+        <p:nvPicPr>
+          <p:cNvPr id="7" name="Рисунок 6">
+            <a:extLst>
+              <a:ext uri="{FF2B5EF4-FFF2-40B4-BE49-F238E27FC236}">
+                <a16:creationId xmlns:a16="http://schemas.microsoft.com/office/drawing/2014/main" id="{BCF765D1-C78F-49CD-B2E7-01271F0CCF97}"/>
+              </a:ext>
+            </a:extLst>
+          </p:cNvPr>
+          <p:cNvPicPr>
+            <a:picLocks noChangeAspect="1"/>
+          </p:cNvPicPr>
+          <p:nvPr/>
+        </p:nvPicPr>
+        <p:blipFill>
+          <a:blip r:embed="rId3"/>
+          <a:stretch>
+            <a:fillRect/>
+          </a:stretch>
+        </p:blipFill>
+        <p:spPr>
+          <a:xfrm>
+            <a:off x="7296150" y="3172586"/>
+            <a:ext cx="9142072" cy="6199344"/>
+          </a:xfrm>
+          <a:prstGeom prst="rect">
+            <a:avLst/>
+          </a:prstGeom>
+        </p:spPr>
+      </p:pic>
+    </p:spTree>
+    <p:extLst>
+      <p:ext uri="{BB962C8B-B14F-4D97-AF65-F5344CB8AC3E}">
+        <p14:creationId xmlns:p14="http://schemas.microsoft.com/office/powerpoint/2010/main" val="857541651"/>
+      </p:ext>
+    </p:extLst>
+  </p:cSld>
+  <p:clrMapOvr>
+    <a:masterClrMapping/>
+  </p:clrMapOvr>
+</p:sld>
+</file>
+
+<file path=ppt/slides/slide13.xml><?xml version="1.0" encoding="utf-8"?>
 <p:sld xmlns:a="http://schemas.openxmlformats.org/drawingml/2006/main" xmlns:r="http://schemas.openxmlformats.org/officeDocument/2006/relationships" xmlns:p="http://schemas.openxmlformats.org/presentationml/2006/main" showMasterSp="0">
   <p:cSld>
     <p:spTree>
@@ -5505,8 +5828,8 @@
         </p:nvSpPr>
         <p:spPr>
           <a:xfrm>
-            <a:off x="4019549" y="1790700"/>
-            <a:ext cx="11963400" cy="677108"/>
+            <a:off x="742950" y="1790700"/>
+            <a:ext cx="15239999" cy="677108"/>
           </a:xfrm>
         </p:spPr>
         <p:txBody>
@@ -5584,7 +5907,7 @@
         <p:spPr>
           <a:xfrm>
             <a:off x="742950" y="2380853"/>
-            <a:ext cx="2520432" cy="6229747"/>
+            <a:ext cx="2590800" cy="6403675"/>
           </a:xfrm>
           <a:prstGeom prst="rect">
             <a:avLst/>
@@ -6058,10 +6381,10 @@
       </p:sp>
       <p:pic>
         <p:nvPicPr>
-          <p:cNvPr id="5" name="Рисунок 4">
+          <p:cNvPr id="10" name="Рисунок 9">
             <a:extLst>
               <a:ext uri="{FF2B5EF4-FFF2-40B4-BE49-F238E27FC236}">
-                <a16:creationId xmlns:a16="http://schemas.microsoft.com/office/drawing/2014/main" id="{DE757F95-63D1-42EE-8FC8-F589AA2E34B6}"/>
+                <a16:creationId xmlns:a16="http://schemas.microsoft.com/office/drawing/2014/main" id="{3967502D-4C4A-43FC-9908-2C4EE1CA89A9}"/>
               </a:ext>
             </a:extLst>
           </p:cNvPr>
@@ -6078,8 +6401,8 @@
         </p:blipFill>
         <p:spPr>
           <a:xfrm>
-            <a:off x="1047750" y="1524000"/>
-            <a:ext cx="8291091" cy="5562600"/>
+            <a:off x="1066801" y="1562100"/>
+            <a:ext cx="7274616" cy="4533900"/>
           </a:xfrm>
           <a:prstGeom prst="rect">
             <a:avLst/>
@@ -6088,10 +6411,10 @@
       </p:pic>
       <p:pic>
         <p:nvPicPr>
-          <p:cNvPr id="7" name="Рисунок 6">
+          <p:cNvPr id="12" name="Рисунок 11">
             <a:extLst>
               <a:ext uri="{FF2B5EF4-FFF2-40B4-BE49-F238E27FC236}">
-                <a16:creationId xmlns:a16="http://schemas.microsoft.com/office/drawing/2014/main" id="{755836B9-1CF5-408D-B306-C828C14E7D3B}"/>
+                <a16:creationId xmlns:a16="http://schemas.microsoft.com/office/drawing/2014/main" id="{264412E3-1DEE-45F6-A298-DD168713980E}"/>
               </a:ext>
             </a:extLst>
           </p:cNvPr>
@@ -6108,38 +6431,8 @@
         </p:blipFill>
         <p:spPr>
           <a:xfrm>
-            <a:off x="9722727" y="1524000"/>
-            <a:ext cx="5968412" cy="3719809"/>
-          </a:xfrm>
-          <a:prstGeom prst="rect">
-            <a:avLst/>
-          </a:prstGeom>
-        </p:spPr>
-      </p:pic>
-      <p:pic>
-        <p:nvPicPr>
-          <p:cNvPr id="9" name="Рисунок 8">
-            <a:extLst>
-              <a:ext uri="{FF2B5EF4-FFF2-40B4-BE49-F238E27FC236}">
-                <a16:creationId xmlns:a16="http://schemas.microsoft.com/office/drawing/2014/main" id="{136C3AFF-ECA8-4712-8502-A24FDCEF11BA}"/>
-              </a:ext>
-            </a:extLst>
-          </p:cNvPr>
-          <p:cNvPicPr>
-            <a:picLocks noChangeAspect="1"/>
-          </p:cNvPicPr>
-          <p:nvPr/>
-        </p:nvPicPr>
-        <p:blipFill>
-          <a:blip r:embed="rId4"/>
-          <a:stretch>
-            <a:fillRect/>
-          </a:stretch>
-        </p:blipFill>
-        <p:spPr>
-          <a:xfrm>
-            <a:off x="7829550" y="5022517"/>
-            <a:ext cx="5895336" cy="4591383"/>
+            <a:off x="8604305" y="2971801"/>
+            <a:ext cx="7338061" cy="5715000"/>
           </a:xfrm>
           <a:prstGeom prst="rect">
             <a:avLst/>
@@ -6181,7 +6474,7 @@
           <p:cNvPr id="2" name="Заголовок 1">
             <a:extLst>
               <a:ext uri="{FF2B5EF4-FFF2-40B4-BE49-F238E27FC236}">
-                <a16:creationId xmlns:a16="http://schemas.microsoft.com/office/drawing/2014/main" id="{07309E3F-9599-4B26-9515-D9F2F09F9DD3}"/>
+                <a16:creationId xmlns:a16="http://schemas.microsoft.com/office/drawing/2014/main" id="{9F63BE38-1CA0-42EE-9E17-5F6A0A19B186}"/>
               </a:ext>
             </a:extLst>
           </p:cNvPr>
@@ -6192,26 +6485,21 @@
             <p:ph type="title"/>
           </p:nvPr>
         </p:nvSpPr>
-        <p:spPr>
-          <a:xfrm>
-            <a:off x="438151" y="0"/>
-            <a:ext cx="12953999" cy="9525000"/>
-          </a:xfrm>
-        </p:spPr>
+        <p:spPr/>
         <p:txBody>
           <a:bodyPr/>
           <a:lstStyle/>
           <a:p>
-            <a:endParaRPr lang="ru-RU" sz="900" dirty="0"/>
+            <a:endParaRPr lang="ru-RU"/>
           </a:p>
         </p:txBody>
       </p:sp>
       <p:pic>
         <p:nvPicPr>
-          <p:cNvPr id="4" name="Рисунок 3">
+          <p:cNvPr id="6" name="Рисунок 5">
             <a:extLst>
               <a:ext uri="{FF2B5EF4-FFF2-40B4-BE49-F238E27FC236}">
-                <a16:creationId xmlns:a16="http://schemas.microsoft.com/office/drawing/2014/main" id="{BAD3FA87-7F37-4929-ABF3-E268CB4F6728}"/>
+                <a16:creationId xmlns:a16="http://schemas.microsoft.com/office/drawing/2014/main" id="{9138B78B-B407-41B8-91A8-787A03E634BB}"/>
               </a:ext>
             </a:extLst>
           </p:cNvPr>
@@ -6228,8 +6516,8 @@
         </p:blipFill>
         <p:spPr>
           <a:xfrm>
-            <a:off x="431801" y="0"/>
-            <a:ext cx="8769349" cy="4887376"/>
+            <a:off x="361950" y="381000"/>
+            <a:ext cx="9439155" cy="6400800"/>
           </a:xfrm>
           <a:prstGeom prst="rect">
             <a:avLst/>
@@ -6238,10 +6526,10 @@
       </p:pic>
       <p:pic>
         <p:nvPicPr>
-          <p:cNvPr id="6" name="Рисунок 5">
+          <p:cNvPr id="8" name="Рисунок 7">
             <a:extLst>
               <a:ext uri="{FF2B5EF4-FFF2-40B4-BE49-F238E27FC236}">
-                <a16:creationId xmlns:a16="http://schemas.microsoft.com/office/drawing/2014/main" id="{58FE5BA4-5511-4963-B748-ABFBDA1120C6}"/>
+                <a16:creationId xmlns:a16="http://schemas.microsoft.com/office/drawing/2014/main" id="{1C18A94F-04A1-4817-9329-7AA07D7B2781}"/>
               </a:ext>
             </a:extLst>
           </p:cNvPr>
@@ -6258,8 +6546,8 @@
         </p:blipFill>
         <p:spPr>
           <a:xfrm>
-            <a:off x="5325749" y="4030863"/>
-            <a:ext cx="7763501" cy="5208633"/>
+            <a:off x="10989225" y="2590800"/>
+            <a:ext cx="5965275" cy="6629400"/>
           </a:xfrm>
           <a:prstGeom prst="rect">
             <a:avLst/>
@@ -6269,7 +6557,7 @@
     </p:spTree>
     <p:extLst>
       <p:ext uri="{BB962C8B-B14F-4D97-AF65-F5344CB8AC3E}">
-        <p14:creationId xmlns:p14="http://schemas.microsoft.com/office/powerpoint/2010/main" val="863019979"/>
+        <p14:creationId xmlns:p14="http://schemas.microsoft.com/office/powerpoint/2010/main" val="2195870267"/>
       </p:ext>
     </p:extLst>
   </p:cSld>
@@ -6301,7 +6589,7 @@
           <p:cNvPr id="2" name="Заголовок 1">
             <a:extLst>
               <a:ext uri="{FF2B5EF4-FFF2-40B4-BE49-F238E27FC236}">
-                <a16:creationId xmlns:a16="http://schemas.microsoft.com/office/drawing/2014/main" id="{FA1827EB-FFBB-4814-AA0A-9647BFAD7DDF}"/>
+                <a16:creationId xmlns:a16="http://schemas.microsoft.com/office/drawing/2014/main" id="{71A2CBA0-D7BD-4640-845F-76ECA5CB8F1A}"/>
               </a:ext>
             </a:extLst>
           </p:cNvPr>
@@ -6317,7 +6605,7 @@
           <a:bodyPr/>
           <a:lstStyle/>
           <a:p>
-            <a:endParaRPr lang="ru-RU" dirty="0"/>
+            <a:endParaRPr lang="ru-RU"/>
           </a:p>
         </p:txBody>
       </p:sp>
@@ -6326,7 +6614,7 @@
           <p:cNvPr id="4" name="Рисунок 3">
             <a:extLst>
               <a:ext uri="{FF2B5EF4-FFF2-40B4-BE49-F238E27FC236}">
-                <a16:creationId xmlns:a16="http://schemas.microsoft.com/office/drawing/2014/main" id="{B3A22DCE-0A9B-4482-8529-1D7574EB5EE5}"/>
+                <a16:creationId xmlns:a16="http://schemas.microsoft.com/office/drawing/2014/main" id="{EB8457AE-132A-4EB7-B5B9-021D1487FED1}"/>
               </a:ext>
             </a:extLst>
           </p:cNvPr>
@@ -6343,8 +6631,8 @@
         </p:blipFill>
         <p:spPr>
           <a:xfrm>
-            <a:off x="438150" y="228600"/>
-            <a:ext cx="5562600" cy="7506519"/>
+            <a:off x="361949" y="304800"/>
+            <a:ext cx="8989671" cy="6096000"/>
           </a:xfrm>
           <a:prstGeom prst="rect">
             <a:avLst/>
@@ -6356,7 +6644,7 @@
           <p:cNvPr id="6" name="Рисунок 5">
             <a:extLst>
               <a:ext uri="{FF2B5EF4-FFF2-40B4-BE49-F238E27FC236}">
-                <a16:creationId xmlns:a16="http://schemas.microsoft.com/office/drawing/2014/main" id="{819AA14D-5CEE-43D3-BB8F-0DF07E4F0075}"/>
+                <a16:creationId xmlns:a16="http://schemas.microsoft.com/office/drawing/2014/main" id="{738BEF28-5DBC-468B-8DE4-0C806410C2C4}"/>
               </a:ext>
             </a:extLst>
           </p:cNvPr>
@@ -6373,8 +6661,8 @@
         </p:blipFill>
         <p:spPr>
           <a:xfrm>
-            <a:off x="7040244" y="212559"/>
-            <a:ext cx="7633541" cy="5121441"/>
+            <a:off x="8451889" y="4024363"/>
+            <a:ext cx="8528012" cy="4752873"/>
           </a:xfrm>
           <a:prstGeom prst="rect">
             <a:avLst/>
@@ -6384,7 +6672,7 @@
     </p:spTree>
     <p:extLst>
       <p:ext uri="{BB962C8B-B14F-4D97-AF65-F5344CB8AC3E}">
-        <p14:creationId xmlns:p14="http://schemas.microsoft.com/office/powerpoint/2010/main" val="3865845578"/>
+        <p14:creationId xmlns:p14="http://schemas.microsoft.com/office/powerpoint/2010/main" val="1381310311"/>
       </p:ext>
     </p:extLst>
   </p:cSld>
@@ -6416,7 +6704,7 @@
           <p:cNvPr id="2" name="Заголовок 1">
             <a:extLst>
               <a:ext uri="{FF2B5EF4-FFF2-40B4-BE49-F238E27FC236}">
-                <a16:creationId xmlns:a16="http://schemas.microsoft.com/office/drawing/2014/main" id="{72E38109-86A1-4E98-960F-AF241018D2A1}"/>
+                <a16:creationId xmlns:a16="http://schemas.microsoft.com/office/drawing/2014/main" id="{2AA1A942-0C86-4D1D-A5F4-945F1BAFFF57}"/>
               </a:ext>
             </a:extLst>
           </p:cNvPr>
@@ -6438,10 +6726,10 @@
       </p:sp>
       <p:pic>
         <p:nvPicPr>
-          <p:cNvPr id="4" name="Рисунок 3">
+          <p:cNvPr id="3" name="Рисунок 2">
             <a:extLst>
               <a:ext uri="{FF2B5EF4-FFF2-40B4-BE49-F238E27FC236}">
-                <a16:creationId xmlns:a16="http://schemas.microsoft.com/office/drawing/2014/main" id="{C1B65AA2-661D-4E14-BFC8-8B8AC07FAB0D}"/>
+                <a16:creationId xmlns:a16="http://schemas.microsoft.com/office/drawing/2014/main" id="{E77737B5-4A71-4F1A-9AAF-F4B576B5C683}"/>
               </a:ext>
             </a:extLst>
           </p:cNvPr>
@@ -6458,8 +6746,8 @@
         </p:blipFill>
         <p:spPr>
           <a:xfrm>
-            <a:off x="1123950" y="533400"/>
-            <a:ext cx="6720336" cy="3504531"/>
+            <a:off x="895350" y="663829"/>
+            <a:ext cx="9308056" cy="6311900"/>
           </a:xfrm>
           <a:prstGeom prst="rect">
             <a:avLst/>
@@ -6468,10 +6756,10 @@
       </p:pic>
       <p:pic>
         <p:nvPicPr>
-          <p:cNvPr id="6" name="Рисунок 5">
+          <p:cNvPr id="4" name="Рисунок 3">
             <a:extLst>
               <a:ext uri="{FF2B5EF4-FFF2-40B4-BE49-F238E27FC236}">
-                <a16:creationId xmlns:a16="http://schemas.microsoft.com/office/drawing/2014/main" id="{275654B1-256B-42AB-86CE-E4C1BA7B52EC}"/>
+                <a16:creationId xmlns:a16="http://schemas.microsoft.com/office/drawing/2014/main" id="{E4E621E9-1C3D-4376-865B-46DF0A53DF9E}"/>
               </a:ext>
             </a:extLst>
           </p:cNvPr>
@@ -6488,38 +6776,8 @@
         </p:blipFill>
         <p:spPr>
           <a:xfrm>
-            <a:off x="285750" y="3819779"/>
-            <a:ext cx="7212739" cy="4839120"/>
-          </a:xfrm>
-          <a:prstGeom prst="rect">
-            <a:avLst/>
-          </a:prstGeom>
-        </p:spPr>
-      </p:pic>
-      <p:pic>
-        <p:nvPicPr>
-          <p:cNvPr id="8" name="Рисунок 7">
-            <a:extLst>
-              <a:ext uri="{FF2B5EF4-FFF2-40B4-BE49-F238E27FC236}">
-                <a16:creationId xmlns:a16="http://schemas.microsoft.com/office/drawing/2014/main" id="{20B5ED2B-D164-40D0-975B-CA27EFCBF275}"/>
-              </a:ext>
-            </a:extLst>
-          </p:cNvPr>
-          <p:cNvPicPr>
-            <a:picLocks noChangeAspect="1"/>
-          </p:cNvPicPr>
-          <p:nvPr/>
-        </p:nvPicPr>
-        <p:blipFill>
-          <a:blip r:embed="rId4"/>
-          <a:stretch>
-            <a:fillRect/>
-          </a:stretch>
-        </p:blipFill>
-        <p:spPr>
-          <a:xfrm>
-            <a:off x="7627924" y="1386354"/>
-            <a:ext cx="7395983" cy="4962061"/>
+            <a:off x="11106150" y="1295400"/>
+            <a:ext cx="5193802" cy="7437003"/>
           </a:xfrm>
           <a:prstGeom prst="rect">
             <a:avLst/>
@@ -6529,7 +6787,7 @@
     </p:spTree>
     <p:extLst>
       <p:ext uri="{BB962C8B-B14F-4D97-AF65-F5344CB8AC3E}">
-        <p14:creationId xmlns:p14="http://schemas.microsoft.com/office/powerpoint/2010/main" val="2955896921"/>
+        <p14:creationId xmlns:p14="http://schemas.microsoft.com/office/powerpoint/2010/main" val="4127846108"/>
       </p:ext>
     </p:extLst>
   </p:cSld>
